--- a/development/meetings/M3_Updates0402.pptx
+++ b/development/meetings/M3_Updates0402.pptx
@@ -7321,7 +7321,7 @@
           <a:p>
             <a:fld id="{D9E9FAD9-CE85-4287-9BD6-268DAA1420F6}" type="datetimeFigureOut">
               <a:rPr lang="en-US" smtClean="0"/>
-              <a:t>4/2/2025</a:t>
+              <a:t>4/7/2025</a:t>
             </a:fld>
             <a:endParaRPr lang="en-US"/>
           </a:p>
@@ -7519,7 +7519,7 @@
           <a:p>
             <a:fld id="{D9E9FAD9-CE85-4287-9BD6-268DAA1420F6}" type="datetimeFigureOut">
               <a:rPr lang="en-US" smtClean="0"/>
-              <a:t>4/2/2025</a:t>
+              <a:t>4/7/2025</a:t>
             </a:fld>
             <a:endParaRPr lang="en-US"/>
           </a:p>
@@ -7727,7 +7727,7 @@
           <a:p>
             <a:fld id="{D9E9FAD9-CE85-4287-9BD6-268DAA1420F6}" type="datetimeFigureOut">
               <a:rPr lang="en-US" smtClean="0"/>
-              <a:t>4/2/2025</a:t>
+              <a:t>4/7/2025</a:t>
             </a:fld>
             <a:endParaRPr lang="en-US"/>
           </a:p>
@@ -7925,7 +7925,7 @@
           <a:p>
             <a:fld id="{D9E9FAD9-CE85-4287-9BD6-268DAA1420F6}" type="datetimeFigureOut">
               <a:rPr lang="en-US" smtClean="0"/>
-              <a:t>4/2/2025</a:t>
+              <a:t>4/7/2025</a:t>
             </a:fld>
             <a:endParaRPr lang="en-US"/>
           </a:p>
@@ -8200,7 +8200,7 @@
           <a:p>
             <a:fld id="{D9E9FAD9-CE85-4287-9BD6-268DAA1420F6}" type="datetimeFigureOut">
               <a:rPr lang="en-US" smtClean="0"/>
-              <a:t>4/2/2025</a:t>
+              <a:t>4/7/2025</a:t>
             </a:fld>
             <a:endParaRPr lang="en-US"/>
           </a:p>
@@ -8465,7 +8465,7 @@
           <a:p>
             <a:fld id="{D9E9FAD9-CE85-4287-9BD6-268DAA1420F6}" type="datetimeFigureOut">
               <a:rPr lang="en-US" smtClean="0"/>
-              <a:t>4/2/2025</a:t>
+              <a:t>4/7/2025</a:t>
             </a:fld>
             <a:endParaRPr lang="en-US"/>
           </a:p>
@@ -8877,7 +8877,7 @@
           <a:p>
             <a:fld id="{D9E9FAD9-CE85-4287-9BD6-268DAA1420F6}" type="datetimeFigureOut">
               <a:rPr lang="en-US" smtClean="0"/>
-              <a:t>4/2/2025</a:t>
+              <a:t>4/7/2025</a:t>
             </a:fld>
             <a:endParaRPr lang="en-US"/>
           </a:p>
@@ -9018,7 +9018,7 @@
           <a:p>
             <a:fld id="{D9E9FAD9-CE85-4287-9BD6-268DAA1420F6}" type="datetimeFigureOut">
               <a:rPr lang="en-US" smtClean="0"/>
-              <a:t>4/2/2025</a:t>
+              <a:t>4/7/2025</a:t>
             </a:fld>
             <a:endParaRPr lang="en-US"/>
           </a:p>
@@ -9131,7 +9131,7 @@
           <a:p>
             <a:fld id="{D9E9FAD9-CE85-4287-9BD6-268DAA1420F6}" type="datetimeFigureOut">
               <a:rPr lang="en-US" smtClean="0"/>
-              <a:t>4/2/2025</a:t>
+              <a:t>4/7/2025</a:t>
             </a:fld>
             <a:endParaRPr lang="en-US"/>
           </a:p>
@@ -9442,7 +9442,7 @@
           <a:p>
             <a:fld id="{D9E9FAD9-CE85-4287-9BD6-268DAA1420F6}" type="datetimeFigureOut">
               <a:rPr lang="en-US" smtClean="0"/>
-              <a:t>4/2/2025</a:t>
+              <a:t>4/7/2025</a:t>
             </a:fld>
             <a:endParaRPr lang="en-US"/>
           </a:p>
@@ -9730,7 +9730,7 @@
           <a:p>
             <a:fld id="{D9E9FAD9-CE85-4287-9BD6-268DAA1420F6}" type="datetimeFigureOut">
               <a:rPr lang="en-US" smtClean="0"/>
-              <a:t>4/2/2025</a:t>
+              <a:t>4/7/2025</a:t>
             </a:fld>
             <a:endParaRPr lang="en-US"/>
           </a:p>
@@ -9971,7 +9971,7 @@
           <a:p>
             <a:fld id="{D9E9FAD9-CE85-4287-9BD6-268DAA1420F6}" type="datetimeFigureOut">
               <a:rPr lang="en-US" smtClean="0"/>
-              <a:t>4/2/2025</a:t>
+              <a:t>4/7/2025</a:t>
             </a:fld>
             <a:endParaRPr lang="en-US"/>
           </a:p>
@@ -15360,7 +15360,7 @@
         </p:nvSpPr>
         <p:spPr>
           <a:xfrm>
-            <a:off x="754642" y="1809882"/>
+            <a:off x="754642" y="2326991"/>
             <a:ext cx="10682715" cy="3044936"/>
           </a:xfrm>
           <a:prstGeom prst="rect">
